--- a/INGE/INGE-Cards.pptx
+++ b/INGE/INGE-Cards.pptx
@@ -199,7 +199,7 @@
           <a:p>
             <a:fld id="{516AC5FC-1AE9-493A-8593-7EAE3B4E8728}" type="datetimeFigureOut">
               <a:rPr kumimoji="1" lang="ja-JP" altLang="en-US" smtClean="0"/>
-              <a:t>2025/3/27</a:t>
+              <a:t>2025/5/8</a:t>
             </a:fld>
             <a:endParaRPr kumimoji="1" lang="ja-JP" altLang="en-US"/>
           </a:p>
@@ -704,7 +704,7 @@
           <a:p>
             <a:fld id="{92732F16-227B-46BD-8E4A-EE1936077472}" type="datetimeFigureOut">
               <a:rPr kumimoji="1" lang="ja-JP" altLang="en-US" smtClean="0"/>
-              <a:t>2025/3/27</a:t>
+              <a:t>2025/5/8</a:t>
             </a:fld>
             <a:endParaRPr kumimoji="1" lang="ja-JP" altLang="en-US"/>
           </a:p>
@@ -904,7 +904,7 @@
           <a:p>
             <a:fld id="{92732F16-227B-46BD-8E4A-EE1936077472}" type="datetimeFigureOut">
               <a:rPr kumimoji="1" lang="ja-JP" altLang="en-US" smtClean="0"/>
-              <a:t>2025/3/27</a:t>
+              <a:t>2025/5/8</a:t>
             </a:fld>
             <a:endParaRPr kumimoji="1" lang="ja-JP" altLang="en-US"/>
           </a:p>
@@ -1114,7 +1114,7 @@
           <a:p>
             <a:fld id="{92732F16-227B-46BD-8E4A-EE1936077472}" type="datetimeFigureOut">
               <a:rPr kumimoji="1" lang="ja-JP" altLang="en-US" smtClean="0"/>
-              <a:t>2025/3/27</a:t>
+              <a:t>2025/5/8</a:t>
             </a:fld>
             <a:endParaRPr kumimoji="1" lang="ja-JP" altLang="en-US"/>
           </a:p>
@@ -1314,7 +1314,7 @@
           <a:p>
             <a:fld id="{92732F16-227B-46BD-8E4A-EE1936077472}" type="datetimeFigureOut">
               <a:rPr kumimoji="1" lang="ja-JP" altLang="en-US" smtClean="0"/>
-              <a:t>2025/3/27</a:t>
+              <a:t>2025/5/8</a:t>
             </a:fld>
             <a:endParaRPr kumimoji="1" lang="ja-JP" altLang="en-US"/>
           </a:p>
@@ -1590,7 +1590,7 @@
           <a:p>
             <a:fld id="{92732F16-227B-46BD-8E4A-EE1936077472}" type="datetimeFigureOut">
               <a:rPr kumimoji="1" lang="ja-JP" altLang="en-US" smtClean="0"/>
-              <a:t>2025/3/27</a:t>
+              <a:t>2025/5/8</a:t>
             </a:fld>
             <a:endParaRPr kumimoji="1" lang="ja-JP" altLang="en-US"/>
           </a:p>
@@ -1858,7 +1858,7 @@
           <a:p>
             <a:fld id="{92732F16-227B-46BD-8E4A-EE1936077472}" type="datetimeFigureOut">
               <a:rPr kumimoji="1" lang="ja-JP" altLang="en-US" smtClean="0"/>
-              <a:t>2025/3/27</a:t>
+              <a:t>2025/5/8</a:t>
             </a:fld>
             <a:endParaRPr kumimoji="1" lang="ja-JP" altLang="en-US"/>
           </a:p>
@@ -2273,7 +2273,7 @@
           <a:p>
             <a:fld id="{92732F16-227B-46BD-8E4A-EE1936077472}" type="datetimeFigureOut">
               <a:rPr kumimoji="1" lang="ja-JP" altLang="en-US" smtClean="0"/>
-              <a:t>2025/3/27</a:t>
+              <a:t>2025/5/8</a:t>
             </a:fld>
             <a:endParaRPr kumimoji="1" lang="ja-JP" altLang="en-US"/>
           </a:p>
@@ -2415,7 +2415,7 @@
           <a:p>
             <a:fld id="{92732F16-227B-46BD-8E4A-EE1936077472}" type="datetimeFigureOut">
               <a:rPr kumimoji="1" lang="ja-JP" altLang="en-US" smtClean="0"/>
-              <a:t>2025/3/27</a:t>
+              <a:t>2025/5/8</a:t>
             </a:fld>
             <a:endParaRPr kumimoji="1" lang="ja-JP" altLang="en-US"/>
           </a:p>
@@ -2528,7 +2528,7 @@
           <a:p>
             <a:fld id="{92732F16-227B-46BD-8E4A-EE1936077472}" type="datetimeFigureOut">
               <a:rPr kumimoji="1" lang="ja-JP" altLang="en-US" smtClean="0"/>
-              <a:t>2025/3/27</a:t>
+              <a:t>2025/5/8</a:t>
             </a:fld>
             <a:endParaRPr kumimoji="1" lang="ja-JP" altLang="en-US"/>
           </a:p>
@@ -2841,7 +2841,7 @@
           <a:p>
             <a:fld id="{92732F16-227B-46BD-8E4A-EE1936077472}" type="datetimeFigureOut">
               <a:rPr kumimoji="1" lang="ja-JP" altLang="en-US" smtClean="0"/>
-              <a:t>2025/3/27</a:t>
+              <a:t>2025/5/8</a:t>
             </a:fld>
             <a:endParaRPr kumimoji="1" lang="ja-JP" altLang="en-US"/>
           </a:p>
@@ -3130,7 +3130,7 @@
           <a:p>
             <a:fld id="{92732F16-227B-46BD-8E4A-EE1936077472}" type="datetimeFigureOut">
               <a:rPr kumimoji="1" lang="ja-JP" altLang="en-US" smtClean="0"/>
-              <a:t>2025/3/27</a:t>
+              <a:t>2025/5/8</a:t>
             </a:fld>
             <a:endParaRPr kumimoji="1" lang="ja-JP" altLang="en-US"/>
           </a:p>
@@ -3373,7 +3373,7 @@
           <a:p>
             <a:fld id="{92732F16-227B-46BD-8E4A-EE1936077472}" type="datetimeFigureOut">
               <a:rPr kumimoji="1" lang="ja-JP" altLang="en-US" smtClean="0"/>
-              <a:t>2025/3/27</a:t>
+              <a:t>2025/5/8</a:t>
             </a:fld>
             <a:endParaRPr kumimoji="1" lang="ja-JP" altLang="en-US"/>
           </a:p>
@@ -4454,7 +4454,7 @@
               <a:t>Télécom</a:t>
             </a:r>
             <a:r>
-              <a:rPr kumimoji="1" lang="en-US" altLang="ja-JP" sz="2000"/>
+              <a:rPr kumimoji="1" lang="en-US" altLang="ja-JP" sz="2000" dirty="0"/>
               <a:t> Paris, </a:t>
             </a:r>
             <a:r>
